--- a/Sentry_Presentation.pptx
+++ b/Sentry_Presentation.pptx
@@ -208,7 +208,7 @@
             <a:pPr rtl="0"/>
             <a:fld id="{26024186-F834-475C-87E8-2BDD0E0CD34D}" type="datetime1">
               <a:rPr lang="de-DE" smtClean="0"/>
-              <a:t>31.10.2024</a:t>
+              <a:t>06.11.24</a:t>
             </a:fld>
             <a:endParaRPr lang="de-DE" dirty="0"/>
           </a:p>
@@ -427,7 +427,7 @@
             <a:fld id="{92C0A1D8-3EBE-454B-B392-E1E4A1635681}" type="datetime1">
               <a:rPr lang="de-DE" smtClean="0"/>
               <a:pPr/>
-              <a:t>31.10.2024</a:t>
+              <a:t>06.11.24</a:t>
             </a:fld>
             <a:endParaRPr lang="de-DE" dirty="0"/>
           </a:p>
@@ -13238,7 +13238,7 @@
         </p:spPr>
         <p:txBody>
           <a:bodyPr>
-            <a:normAutofit lnSpcReduction="10000"/>
+            <a:normAutofit fontScale="92500" lnSpcReduction="10000"/>
           </a:bodyPr>
           <a:lstStyle/>
           <a:p>
@@ -13289,8 +13289,22 @@
           </a:p>
           <a:p>
             <a:r>
-              <a:rPr lang="en-US" dirty="0"/>
-              <a:t>Don’t expect your customers to report bugs correctly! </a:t>
+              <a:rPr lang="en-GB" dirty="0"/>
+              <a:t>Relying</a:t>
+            </a:r>
+            <a:r>
+              <a:rPr lang="en-GB" b="0" i="0" u="none" strike="noStrike" dirty="0">
+                <a:solidFill>
+                  <a:srgbClr val="000000"/>
+                </a:solidFill>
+                <a:effectLst/>
+                <a:latin typeface="-webkit-standard"/>
+              </a:rPr>
+              <a:t> </a:t>
+            </a:r>
+            <a:r>
+              <a:rPr lang="en-GB" dirty="0"/>
+              <a:t>on customers for bug reports? Big mistake!</a:t>
             </a:r>
             <a:endParaRPr lang="de-CH" dirty="0"/>
           </a:p>
@@ -15138,6 +15152,15 @@
 </file>
 
 <file path=customXml/item1.xml><?xml version="1.0" encoding="utf-8"?>
+<?mso-contentType ?>
+<FormTemplates xmlns="http://schemas.microsoft.com/sharepoint/v3/contenttype/forms">
+  <Display>DocumentLibraryForm</Display>
+  <Edit>DocumentLibraryForm</Edit>
+  <New>DocumentLibraryForm</New>
+</FormTemplates>
+</file>
+
+<file path=customXml/item2.xml><?xml version="1.0" encoding="utf-8"?>
 <ct:contentTypeSchema xmlns:ct="http://schemas.microsoft.com/office/2006/metadata/contentType" xmlns:ma="http://schemas.microsoft.com/office/2006/metadata/properties/metaAttributes" ct:_="" ma:_="" ma:contentTypeName="Document" ma:contentTypeID="0x01010079F111ED35F8CC479449609E8A0923A6" ma:contentTypeVersion="28" ma:contentTypeDescription="Create a new document." ma:contentTypeScope="" ma:versionID="60f5a4f2d2b0abadcf532d48ebf9cb71">
   <xsd:schema xmlns:xsd="http://www.w3.org/2001/XMLSchema" xmlns:xs="http://www.w3.org/2001/XMLSchema" xmlns:p="http://schemas.microsoft.com/office/2006/metadata/properties" xmlns:ns1="http://schemas.microsoft.com/sharepoint/v3" xmlns:ns2="71af3243-3dd4-4a8d-8c0d-dd76da1f02a5" xmlns:ns3="16c05727-aa75-4e4a-9b5f-8a80a1165891" xmlns:ns4="230e9df3-be65-4c73-a93b-d1236ebd677e" targetNamespace="http://schemas.microsoft.com/office/2006/metadata/properties" ma:root="true" ma:fieldsID="7dd78129e6a1811f84807ad11c651531" ns1:_="" ns2:_="" ns3:_="" ns4:_="">
     <xsd:import namespace="http://schemas.microsoft.com/sharepoint/v3"/>
@@ -15449,15 +15472,6 @@
 </ct:contentTypeSchema>
 </file>
 
-<file path=customXml/item2.xml><?xml version="1.0" encoding="utf-8"?>
-<?mso-contentType ?>
-<FormTemplates xmlns="http://schemas.microsoft.com/sharepoint/v3/contenttype/forms">
-  <Display>DocumentLibraryForm</Display>
-  <Edit>DocumentLibraryForm</Edit>
-  <New>DocumentLibraryForm</New>
-</FormTemplates>
-</file>
-
 <file path=customXml/item3.xml><?xml version="1.0" encoding="utf-8"?>
 <p:properties xmlns:p="http://schemas.microsoft.com/office/2006/metadata/properties" xmlns:xsi="http://www.w3.org/2001/XMLSchema-instance" xmlns:pc="http://schemas.microsoft.com/office/infopath/2007/PartnerControls">
   <documentManagement>
@@ -15479,6 +15493,14 @@
 </file>
 
 <file path=customXml/itemProps1.xml><?xml version="1.0" encoding="utf-8"?>
+<ds:datastoreItem xmlns:ds="http://schemas.openxmlformats.org/officeDocument/2006/customXml" ds:itemID="{C21FFAC0-05A2-416A-B06C-C248395482CF}">
+  <ds:schemaRefs>
+    <ds:schemaRef ds:uri="http://schemas.microsoft.com/sharepoint/v3/contenttype/forms"/>
+  </ds:schemaRefs>
+</ds:datastoreItem>
+</file>
+
+<file path=customXml/itemProps2.xml><?xml version="1.0" encoding="utf-8"?>
 <ds:datastoreItem xmlns:ds="http://schemas.openxmlformats.org/officeDocument/2006/customXml" ds:itemID="{92DB9E12-8AC3-4138-BF4D-720A5525AB10}">
   <ds:schemaRefs>
     <ds:schemaRef ds:uri="http://schemas.microsoft.com/office/2006/metadata/contentType"/>
@@ -15499,14 +15521,6 @@
 </ds:datastoreItem>
 </file>
 
-<file path=customXml/itemProps2.xml><?xml version="1.0" encoding="utf-8"?>
-<ds:datastoreItem xmlns:ds="http://schemas.openxmlformats.org/officeDocument/2006/customXml" ds:itemID="{C21FFAC0-05A2-416A-B06C-C248395482CF}">
-  <ds:schemaRefs>
-    <ds:schemaRef ds:uri="http://schemas.microsoft.com/sharepoint/v3/contenttype/forms"/>
-  </ds:schemaRefs>
-</ds:datastoreItem>
-</file>
-
 <file path=customXml/itemProps3.xml><?xml version="1.0" encoding="utf-8"?>
 <ds:datastoreItem xmlns:ds="http://schemas.openxmlformats.org/officeDocument/2006/customXml" ds:itemID="{4F4B194E-8B30-4377-8C59-ECFB902D2A26}">
   <ds:schemaRefs>
